--- a/CAPSTONE.pptx
+++ b/CAPSTONE.pptx
@@ -4923,8 +4923,13 @@
           <a:p>
             <a:r>
               <a:rPr lang="en-US" dirty="0"/>
-              <a:t>COVID-19 edition</a:t>
-            </a:r>
+              <a:t>Sneha </a:t>
+            </a:r>
+            <a:r>
+              <a:rPr lang="en-US" dirty="0" err="1"/>
+              <a:t>Koneru</a:t>
+            </a:r>
+            <a:endParaRPr lang="en-US" dirty="0"/>
           </a:p>
         </p:txBody>
       </p:sp>

--- a/CAPSTONE.pptx
+++ b/CAPSTONE.pptx
@@ -9,8 +9,8 @@
   </p:notesMasterIdLst>
   <p:sldIdLst>
     <p:sldId id="256" r:id="rId2"/>
-    <p:sldId id="257" r:id="rId3"/>
-    <p:sldId id="260" r:id="rId4"/>
+    <p:sldId id="260" r:id="rId3"/>
+    <p:sldId id="257" r:id="rId4"/>
     <p:sldId id="258" r:id="rId5"/>
     <p:sldId id="264" r:id="rId6"/>
     <p:sldId id="262" r:id="rId7"/>
@@ -546,7 +546,7 @@
     </p:spTree>
     <p:extLst>
       <p:ext uri="{BB962C8B-B14F-4D97-AF65-F5344CB8AC3E}">
-        <p14:creationId xmlns:p14="http://schemas.microsoft.com/office/powerpoint/2010/main" val="702553731"/>
+        <p14:creationId xmlns:p14="http://schemas.microsoft.com/office/powerpoint/2010/main" val="2380161593"/>
       </p:ext>
     </p:extLst>
   </p:cSld>
@@ -630,7 +630,7 @@
     </p:spTree>
     <p:extLst>
       <p:ext uri="{BB962C8B-B14F-4D97-AF65-F5344CB8AC3E}">
-        <p14:creationId xmlns:p14="http://schemas.microsoft.com/office/powerpoint/2010/main" val="2380161593"/>
+        <p14:creationId xmlns:p14="http://schemas.microsoft.com/office/powerpoint/2010/main" val="702553731"/>
       </p:ext>
     </p:extLst>
   </p:cSld>
@@ -4971,12 +4971,365 @@
           <a:chExt cx="0" cy="0"/>
         </a:xfrm>
       </p:grpSpPr>
+      <p:sp>
+        <p:nvSpPr>
+          <p:cNvPr id="2" name="Title 1">
+            <a:extLst>
+              <a:ext uri="{FF2B5EF4-FFF2-40B4-BE49-F238E27FC236}">
+                <a16:creationId xmlns:a16="http://schemas.microsoft.com/office/drawing/2014/main" id="{0FD373B3-318D-EE47-9A40-3BA054455EBE}"/>
+              </a:ext>
+            </a:extLst>
+          </p:cNvPr>
+          <p:cNvSpPr>
+            <a:spLocks noGrp="1"/>
+          </p:cNvSpPr>
+          <p:nvPr>
+            <p:ph type="title"/>
+          </p:nvPr>
+        </p:nvSpPr>
+        <p:spPr/>
+        <p:txBody>
+          <a:bodyPr/>
+          <a:lstStyle/>
+          <a:p>
+            <a:r>
+              <a:rPr lang="en-US" dirty="0"/>
+              <a:t>COVID-19 in 2021: A pandemic of unvaccinated population</a:t>
+            </a:r>
+          </a:p>
+        </p:txBody>
+      </p:sp>
+      <p:sp>
+        <p:nvSpPr>
+          <p:cNvPr id="3" name="Content Placeholder 2">
+            <a:extLst>
+              <a:ext uri="{FF2B5EF4-FFF2-40B4-BE49-F238E27FC236}">
+                <a16:creationId xmlns:a16="http://schemas.microsoft.com/office/drawing/2014/main" id="{188C8A0F-F598-7649-9288-07B5E181B206}"/>
+              </a:ext>
+            </a:extLst>
+          </p:cNvPr>
+          <p:cNvSpPr>
+            <a:spLocks noGrp="1"/>
+          </p:cNvSpPr>
+          <p:nvPr>
+            <p:ph idx="1"/>
+          </p:nvPr>
+        </p:nvSpPr>
+        <p:spPr>
+          <a:xfrm>
+            <a:off x="1612729" y="2113166"/>
+            <a:ext cx="5613571" cy="3068434"/>
+          </a:xfrm>
+        </p:spPr>
+        <p:txBody>
+          <a:bodyPr>
+            <a:normAutofit/>
+          </a:bodyPr>
+          <a:lstStyle/>
+          <a:p>
+            <a:pPr>
+              <a:buFont typeface="Wingdings" pitchFamily="2" charset="2"/>
+              <a:buChar char="Ø"/>
+            </a:pPr>
+            <a:r>
+              <a:rPr lang="en-US" dirty="0"/>
+              <a:t>Children under the age of 12 years: ~34 million susceptible schoolchildren</a:t>
+            </a:r>
+          </a:p>
+          <a:p>
+            <a:pPr>
+              <a:buFont typeface="Wingdings" pitchFamily="2" charset="2"/>
+              <a:buChar char="Ø"/>
+            </a:pPr>
+            <a:endParaRPr lang="en-US" dirty="0"/>
+          </a:p>
+          <a:p>
+            <a:pPr>
+              <a:buFont typeface="Wingdings" pitchFamily="2" charset="2"/>
+              <a:buChar char="Ø"/>
+            </a:pPr>
+            <a:r>
+              <a:rPr lang="en-US" dirty="0"/>
+              <a:t>Vaccine hesitant population </a:t>
+            </a:r>
+          </a:p>
+          <a:p>
+            <a:pPr>
+              <a:buFont typeface="Wingdings" pitchFamily="2" charset="2"/>
+              <a:buChar char="Ø"/>
+            </a:pPr>
+            <a:endParaRPr lang="en-US" dirty="0"/>
+          </a:p>
+          <a:p>
+            <a:pPr>
+              <a:buFont typeface="Wingdings" pitchFamily="2" charset="2"/>
+              <a:buChar char="Ø"/>
+            </a:pPr>
+            <a:r>
+              <a:rPr lang="en-US" dirty="0"/>
+              <a:t>New variants from around the world that can be spread even by vaccinated people</a:t>
+            </a:r>
+          </a:p>
+          <a:p>
+            <a:pPr>
+              <a:buFont typeface="Wingdings" pitchFamily="2" charset="2"/>
+              <a:buChar char="Ø"/>
+            </a:pPr>
+            <a:endParaRPr lang="en-US" dirty="0"/>
+          </a:p>
+        </p:txBody>
+      </p:sp>
+      <p:sp>
+        <p:nvSpPr>
+          <p:cNvPr id="4" name="Content Placeholder 2">
+            <a:extLst>
+              <a:ext uri="{FF2B5EF4-FFF2-40B4-BE49-F238E27FC236}">
+                <a16:creationId xmlns:a16="http://schemas.microsoft.com/office/drawing/2014/main" id="{AC744035-93EB-5B49-BF38-49E87866989B}"/>
+              </a:ext>
+            </a:extLst>
+          </p:cNvPr>
+          <p:cNvSpPr txBox="1">
+            <a:spLocks/>
+          </p:cNvSpPr>
+          <p:nvPr/>
+        </p:nvSpPr>
+        <p:spPr>
+          <a:xfrm>
+            <a:off x="1194143" y="5344811"/>
+            <a:ext cx="10159314" cy="1036423"/>
+          </a:xfrm>
+          <a:prstGeom prst="rect">
+            <a:avLst/>
+          </a:prstGeom>
+          <a:solidFill>
+            <a:schemeClr val="bg1">
+              <a:alpha val="0"/>
+            </a:schemeClr>
+          </a:solidFill>
+          <a:ln w="53975">
+            <a:solidFill>
+              <a:srgbClr val="002060"/>
+            </a:solidFill>
+          </a:ln>
+        </p:spPr>
+        <p:txBody>
+          <a:bodyPr vert="horz" lIns="91440" tIns="45720" rIns="91440" bIns="45720" rtlCol="0">
+            <a:normAutofit/>
+          </a:bodyPr>
+          <a:lstStyle>
+            <a:lvl1pPr marL="384048" indent="-384048" algn="l" defTabSz="914400" rtl="0" eaLnBrk="1" latinLnBrk="0" hangingPunct="1">
+              <a:lnSpc>
+                <a:spcPct val="94000"/>
+              </a:lnSpc>
+              <a:spcBef>
+                <a:spcPts val="1000"/>
+              </a:spcBef>
+              <a:spcAft>
+                <a:spcPts val="200"/>
+              </a:spcAft>
+              <a:buFont typeface="Franklin Gothic Book" panose="020B0503020102020204" pitchFamily="34" charset="0"/>
+              <a:buChar char="■"/>
+              <a:defRPr sz="2000" kern="1200" baseline="0">
+                <a:solidFill>
+                  <a:schemeClr val="tx2"/>
+                </a:solidFill>
+                <a:latin typeface="+mn-lt"/>
+                <a:ea typeface="+mn-ea"/>
+                <a:cs typeface="+mn-cs"/>
+              </a:defRPr>
+            </a:lvl1pPr>
+            <a:lvl2pPr marL="914400" indent="-384048" algn="l" defTabSz="914400" rtl="0" eaLnBrk="1" latinLnBrk="0" hangingPunct="1">
+              <a:lnSpc>
+                <a:spcPct val="94000"/>
+              </a:lnSpc>
+              <a:spcBef>
+                <a:spcPts val="500"/>
+              </a:spcBef>
+              <a:spcAft>
+                <a:spcPts val="200"/>
+              </a:spcAft>
+              <a:buFont typeface="Franklin Gothic Book" panose="020B0503020102020204" pitchFamily="34" charset="0"/>
+              <a:buChar char="–"/>
+              <a:defRPr sz="2000" i="1" kern="1200" baseline="0">
+                <a:solidFill>
+                  <a:schemeClr val="tx2"/>
+                </a:solidFill>
+                <a:latin typeface="+mn-lt"/>
+                <a:ea typeface="+mn-ea"/>
+                <a:cs typeface="+mn-cs"/>
+              </a:defRPr>
+            </a:lvl2pPr>
+            <a:lvl3pPr marL="1371600" indent="-384048" algn="l" defTabSz="914400" rtl="0" eaLnBrk="1" latinLnBrk="0" hangingPunct="1">
+              <a:lnSpc>
+                <a:spcPct val="94000"/>
+              </a:lnSpc>
+              <a:spcBef>
+                <a:spcPts val="500"/>
+              </a:spcBef>
+              <a:spcAft>
+                <a:spcPts val="200"/>
+              </a:spcAft>
+              <a:buFont typeface="Franklin Gothic Book" panose="020B0503020102020204" pitchFamily="34" charset="0"/>
+              <a:buChar char="■"/>
+              <a:defRPr sz="1800" kern="1200" baseline="0">
+                <a:solidFill>
+                  <a:schemeClr val="tx2"/>
+                </a:solidFill>
+                <a:latin typeface="+mn-lt"/>
+                <a:ea typeface="+mn-ea"/>
+                <a:cs typeface="+mn-cs"/>
+              </a:defRPr>
+            </a:lvl3pPr>
+            <a:lvl4pPr marL="1828800" indent="-384048" algn="l" defTabSz="914400" rtl="0" eaLnBrk="1" latinLnBrk="0" hangingPunct="1">
+              <a:lnSpc>
+                <a:spcPct val="94000"/>
+              </a:lnSpc>
+              <a:spcBef>
+                <a:spcPts val="500"/>
+              </a:spcBef>
+              <a:spcAft>
+                <a:spcPts val="200"/>
+              </a:spcAft>
+              <a:buFont typeface="Franklin Gothic Book" panose="020B0503020102020204" pitchFamily="34" charset="0"/>
+              <a:buChar char="–"/>
+              <a:defRPr sz="1800" i="1" kern="1200" baseline="0">
+                <a:solidFill>
+                  <a:schemeClr val="tx2"/>
+                </a:solidFill>
+                <a:latin typeface="+mn-lt"/>
+                <a:ea typeface="+mn-ea"/>
+                <a:cs typeface="+mn-cs"/>
+              </a:defRPr>
+            </a:lvl4pPr>
+            <a:lvl5pPr marL="2286000" indent="-384048" algn="l" defTabSz="914400" rtl="0" eaLnBrk="1" latinLnBrk="0" hangingPunct="1">
+              <a:lnSpc>
+                <a:spcPct val="94000"/>
+              </a:lnSpc>
+              <a:spcBef>
+                <a:spcPts val="500"/>
+              </a:spcBef>
+              <a:spcAft>
+                <a:spcPts val="200"/>
+              </a:spcAft>
+              <a:buFont typeface="Franklin Gothic Book" panose="020B0503020102020204" pitchFamily="34" charset="0"/>
+              <a:buChar char="■"/>
+              <a:defRPr sz="1600" kern="1200" baseline="0">
+                <a:solidFill>
+                  <a:schemeClr val="tx2"/>
+                </a:solidFill>
+                <a:latin typeface="+mn-lt"/>
+                <a:ea typeface="+mn-ea"/>
+                <a:cs typeface="+mn-cs"/>
+              </a:defRPr>
+            </a:lvl5pPr>
+            <a:lvl6pPr marL="2743200" indent="-384048" algn="l" defTabSz="914400" rtl="0" eaLnBrk="1" latinLnBrk="0" hangingPunct="1">
+              <a:lnSpc>
+                <a:spcPct val="94000"/>
+              </a:lnSpc>
+              <a:spcBef>
+                <a:spcPts val="500"/>
+              </a:spcBef>
+              <a:spcAft>
+                <a:spcPts val="200"/>
+              </a:spcAft>
+              <a:buFont typeface="Franklin Gothic Book" panose="020B0503020102020204" pitchFamily="34" charset="0"/>
+              <a:buChar char="–"/>
+              <a:defRPr sz="1600" i="1" kern="1200" baseline="0">
+                <a:solidFill>
+                  <a:schemeClr val="tx2"/>
+                </a:solidFill>
+                <a:latin typeface="+mn-lt"/>
+                <a:ea typeface="+mn-ea"/>
+                <a:cs typeface="+mn-cs"/>
+              </a:defRPr>
+            </a:lvl6pPr>
+            <a:lvl7pPr marL="3200400" indent="-384048" algn="l" defTabSz="914400" rtl="0" eaLnBrk="1" latinLnBrk="0" hangingPunct="1">
+              <a:lnSpc>
+                <a:spcPct val="94000"/>
+              </a:lnSpc>
+              <a:spcBef>
+                <a:spcPts val="500"/>
+              </a:spcBef>
+              <a:spcAft>
+                <a:spcPts val="200"/>
+              </a:spcAft>
+              <a:buFont typeface="Franklin Gothic Book" panose="020B0503020102020204" pitchFamily="34" charset="0"/>
+              <a:buChar char="■"/>
+              <a:defRPr sz="1400" kern="1200" baseline="0">
+                <a:solidFill>
+                  <a:schemeClr val="tx2"/>
+                </a:solidFill>
+                <a:latin typeface="+mn-lt"/>
+                <a:ea typeface="+mn-ea"/>
+                <a:cs typeface="+mn-cs"/>
+              </a:defRPr>
+            </a:lvl7pPr>
+            <a:lvl8pPr marL="3657600" indent="-384048" algn="l" defTabSz="914400" rtl="0" eaLnBrk="1" latinLnBrk="0" hangingPunct="1">
+              <a:lnSpc>
+                <a:spcPct val="94000"/>
+              </a:lnSpc>
+              <a:spcBef>
+                <a:spcPts val="500"/>
+              </a:spcBef>
+              <a:spcAft>
+                <a:spcPts val="200"/>
+              </a:spcAft>
+              <a:buFont typeface="Franklin Gothic Book" panose="020B0503020102020204" pitchFamily="34" charset="0"/>
+              <a:buChar char="–"/>
+              <a:defRPr sz="1400" i="1" kern="1200" baseline="0">
+                <a:solidFill>
+                  <a:schemeClr val="tx2"/>
+                </a:solidFill>
+                <a:latin typeface="+mn-lt"/>
+                <a:ea typeface="+mn-ea"/>
+                <a:cs typeface="+mn-cs"/>
+              </a:defRPr>
+            </a:lvl8pPr>
+            <a:lvl9pPr marL="4114800" indent="-384048" algn="l" defTabSz="914400" rtl="0" eaLnBrk="1" latinLnBrk="0" hangingPunct="1">
+              <a:lnSpc>
+                <a:spcPct val="94000"/>
+              </a:lnSpc>
+              <a:spcBef>
+                <a:spcPts val="500"/>
+              </a:spcBef>
+              <a:spcAft>
+                <a:spcPts val="200"/>
+              </a:spcAft>
+              <a:buFont typeface="Franklin Gothic Book" panose="020B0503020102020204" pitchFamily="34" charset="0"/>
+              <a:buChar char="■"/>
+              <a:defRPr sz="1400" kern="1200" baseline="0">
+                <a:solidFill>
+                  <a:schemeClr val="tx2"/>
+                </a:solidFill>
+                <a:latin typeface="+mn-lt"/>
+                <a:ea typeface="+mn-ea"/>
+                <a:cs typeface="+mn-cs"/>
+              </a:defRPr>
+            </a:lvl9pPr>
+          </a:lstStyle>
+          <a:p>
+            <a:pPr marL="0" indent="0" algn="ctr">
+              <a:buNone/>
+            </a:pPr>
+            <a:r>
+              <a:rPr lang="en-US" sz="3200" dirty="0"/>
+              <a:t>Which public health measures were effective at state and county level in 2020?</a:t>
+            </a:r>
+          </a:p>
+          <a:p>
+            <a:pPr marL="0" indent="0" algn="ctr">
+              <a:buNone/>
+            </a:pPr>
+            <a:endParaRPr lang="en-US" sz="3200" dirty="0"/>
+          </a:p>
+        </p:txBody>
+      </p:sp>
       <p:pic>
         <p:nvPicPr>
-          <p:cNvPr id="7" name="Picture 6">
+          <p:cNvPr id="6" name="Picture 5">
             <a:extLst>
               <a:ext uri="{FF2B5EF4-FFF2-40B4-BE49-F238E27FC236}">
-                <a16:creationId xmlns:a16="http://schemas.microsoft.com/office/drawing/2014/main" id="{6223B945-F274-714A-A1C4-2E17C9C1AA5D}"/>
+                <a16:creationId xmlns:a16="http://schemas.microsoft.com/office/drawing/2014/main" id="{7E69337B-43E4-0646-AB06-5E900A7F3E7A}"/>
               </a:ext>
             </a:extLst>
           </p:cNvPr>
@@ -4985,130 +5338,16 @@
           </p:cNvPicPr>
           <p:nvPr/>
         </p:nvPicPr>
-        <p:blipFill rotWithShape="1">
+        <p:blipFill>
           <a:blip r:embed="rId3"/>
-          <a:srcRect l="2595" b="6793"/>
-          <a:stretch/>
+          <a:stretch>
+            <a:fillRect/>
+          </a:stretch>
         </p:blipFill>
         <p:spPr>
           <a:xfrm>
-            <a:off x="753762" y="1478639"/>
-            <a:ext cx="6493620" cy="4168399"/>
-          </a:xfrm>
-          <a:prstGeom prst="rect">
-            <a:avLst/>
-          </a:prstGeom>
-        </p:spPr>
-      </p:pic>
-      <p:sp>
-        <p:nvSpPr>
-          <p:cNvPr id="2" name="Title 1">
-            <a:extLst>
-              <a:ext uri="{FF2B5EF4-FFF2-40B4-BE49-F238E27FC236}">
-                <a16:creationId xmlns:a16="http://schemas.microsoft.com/office/drawing/2014/main" id="{16FCE3EF-685E-0F4D-A87C-57B2456D67FF}"/>
-              </a:ext>
-            </a:extLst>
-          </p:cNvPr>
-          <p:cNvSpPr>
-            <a:spLocks noGrp="1"/>
-          </p:cNvSpPr>
-          <p:nvPr>
-            <p:ph type="title"/>
-          </p:nvPr>
-        </p:nvSpPr>
-        <p:spPr>
-          <a:xfrm>
-            <a:off x="1396314" y="315097"/>
-            <a:ext cx="9601200" cy="1485900"/>
-          </a:xfrm>
-        </p:spPr>
-        <p:txBody>
-          <a:bodyPr/>
-          <a:lstStyle/>
-          <a:p>
-            <a:r>
-              <a:rPr lang="en-US" dirty="0"/>
-              <a:t>Lessons from 1918 Flu</a:t>
-            </a:r>
-          </a:p>
-        </p:txBody>
-      </p:sp>
-      <p:sp>
-        <p:nvSpPr>
-          <p:cNvPr id="3" name="Rectangle 2">
-            <a:extLst>
-              <a:ext uri="{FF2B5EF4-FFF2-40B4-BE49-F238E27FC236}">
-                <a16:creationId xmlns:a16="http://schemas.microsoft.com/office/drawing/2014/main" id="{3EC75D41-FA4F-784F-A5B7-2CEBE1258649}"/>
-              </a:ext>
-            </a:extLst>
-          </p:cNvPr>
-          <p:cNvSpPr/>
-          <p:nvPr/>
-        </p:nvSpPr>
-        <p:spPr>
-          <a:xfrm>
-            <a:off x="753762" y="6398343"/>
-            <a:ext cx="11438238" cy="461665"/>
-          </a:xfrm>
-          <a:prstGeom prst="rect">
-            <a:avLst/>
-          </a:prstGeom>
-        </p:spPr>
-        <p:txBody>
-          <a:bodyPr wrap="square">
-            <a:spAutoFit/>
-          </a:bodyPr>
-          <a:lstStyle/>
-          <a:p>
-            <a:r>
-              <a:rPr lang="en-GB" sz="1200" cap="all" dirty="0">
-                <a:solidFill>
-                  <a:srgbClr val="AFB0B1"/>
-                </a:solidFill>
-                <a:latin typeface="GeoEditRegular"/>
-              </a:rPr>
-              <a:t>RILEY D. CHAMPINE,</a:t>
-            </a:r>
-            <a:r>
-              <a:rPr lang="en-GB" sz="1200" i="1" dirty="0"/>
-              <a:t> </a:t>
-            </a:r>
-            <a:r>
-              <a:rPr lang="en-GB" sz="1200" cap="all" dirty="0">
-                <a:solidFill>
-                  <a:srgbClr val="AFB0B1"/>
-                </a:solidFill>
-                <a:latin typeface="GeoEditRegular"/>
-              </a:rPr>
-              <a:t>National Geographic magazine. SOURCE: MARKEL H, LIPMAN HB, NAVARRO JA, ET AL. NONPHARMACEUTICAL INTERVENTIONS IMPLEMENTED BY US CITIES DURING THE 1918-1919 INFLUENZA PANDEMIC. JAMA.</a:t>
-            </a:r>
-            <a:endParaRPr lang="en-US" sz="1200" dirty="0"/>
-          </a:p>
-        </p:txBody>
-      </p:sp>
-      <p:pic>
-        <p:nvPicPr>
-          <p:cNvPr id="5" name="Picture 4">
-            <a:extLst>
-              <a:ext uri="{FF2B5EF4-FFF2-40B4-BE49-F238E27FC236}">
-                <a16:creationId xmlns:a16="http://schemas.microsoft.com/office/drawing/2014/main" id="{3C75B3FE-42B6-FD4A-BC50-BE526CEEA580}"/>
-              </a:ext>
-            </a:extLst>
-          </p:cNvPr>
-          <p:cNvPicPr>
-            <a:picLocks noChangeAspect="1"/>
-          </p:cNvPicPr>
-          <p:nvPr/>
-        </p:nvPicPr>
-        <p:blipFill rotWithShape="1">
-          <a:blip r:embed="rId4"/>
-          <a:srcRect b="5377"/>
-          <a:stretch/>
-        </p:blipFill>
-        <p:spPr>
-          <a:xfrm>
-            <a:off x="7076306" y="907142"/>
-            <a:ext cx="4673667" cy="5110600"/>
+            <a:off x="7315200" y="1825118"/>
+            <a:ext cx="4038257" cy="3201313"/>
           </a:xfrm>
           <a:prstGeom prst="rect">
             <a:avLst/>
@@ -5118,7 +5357,7 @@
     </p:spTree>
     <p:extLst>
       <p:ext uri="{BB962C8B-B14F-4D97-AF65-F5344CB8AC3E}">
-        <p14:creationId xmlns:p14="http://schemas.microsoft.com/office/powerpoint/2010/main" val="130162948"/>
+        <p14:creationId xmlns:p14="http://schemas.microsoft.com/office/powerpoint/2010/main" val="2803370122"/>
       </p:ext>
     </p:extLst>
   </p:cSld>
@@ -5153,365 +5392,12 @@
           <a:chExt cx="0" cy="0"/>
         </a:xfrm>
       </p:grpSpPr>
-      <p:sp>
-        <p:nvSpPr>
-          <p:cNvPr id="2" name="Title 1">
+      <p:pic>
+        <p:nvPicPr>
+          <p:cNvPr id="7" name="Picture 6">
             <a:extLst>
               <a:ext uri="{FF2B5EF4-FFF2-40B4-BE49-F238E27FC236}">
-                <a16:creationId xmlns:a16="http://schemas.microsoft.com/office/drawing/2014/main" id="{0FD373B3-318D-EE47-9A40-3BA054455EBE}"/>
-              </a:ext>
-            </a:extLst>
-          </p:cNvPr>
-          <p:cNvSpPr>
-            <a:spLocks noGrp="1"/>
-          </p:cNvSpPr>
-          <p:nvPr>
-            <p:ph type="title"/>
-          </p:nvPr>
-        </p:nvSpPr>
-        <p:spPr/>
-        <p:txBody>
-          <a:bodyPr/>
-          <a:lstStyle/>
-          <a:p>
-            <a:r>
-              <a:rPr lang="en-US" dirty="0"/>
-              <a:t>COVID-19 in 2021: A pandemic of unvaccinated population</a:t>
-            </a:r>
-          </a:p>
-        </p:txBody>
-      </p:sp>
-      <p:sp>
-        <p:nvSpPr>
-          <p:cNvPr id="3" name="Content Placeholder 2">
-            <a:extLst>
-              <a:ext uri="{FF2B5EF4-FFF2-40B4-BE49-F238E27FC236}">
-                <a16:creationId xmlns:a16="http://schemas.microsoft.com/office/drawing/2014/main" id="{188C8A0F-F598-7649-9288-07B5E181B206}"/>
-              </a:ext>
-            </a:extLst>
-          </p:cNvPr>
-          <p:cNvSpPr>
-            <a:spLocks noGrp="1"/>
-          </p:cNvSpPr>
-          <p:nvPr>
-            <p:ph idx="1"/>
-          </p:nvPr>
-        </p:nvSpPr>
-        <p:spPr>
-          <a:xfrm>
-            <a:off x="1612729" y="2113166"/>
-            <a:ext cx="5613571" cy="3068434"/>
-          </a:xfrm>
-        </p:spPr>
-        <p:txBody>
-          <a:bodyPr>
-            <a:normAutofit/>
-          </a:bodyPr>
-          <a:lstStyle/>
-          <a:p>
-            <a:pPr>
-              <a:buFont typeface="Wingdings" pitchFamily="2" charset="2"/>
-              <a:buChar char="Ø"/>
-            </a:pPr>
-            <a:r>
-              <a:rPr lang="en-US" dirty="0"/>
-              <a:t>Children under the age of 12 years: ~34 million susceptible schoolchildren</a:t>
-            </a:r>
-          </a:p>
-          <a:p>
-            <a:pPr>
-              <a:buFont typeface="Wingdings" pitchFamily="2" charset="2"/>
-              <a:buChar char="Ø"/>
-            </a:pPr>
-            <a:endParaRPr lang="en-US" dirty="0"/>
-          </a:p>
-          <a:p>
-            <a:pPr>
-              <a:buFont typeface="Wingdings" pitchFamily="2" charset="2"/>
-              <a:buChar char="Ø"/>
-            </a:pPr>
-            <a:r>
-              <a:rPr lang="en-US" dirty="0"/>
-              <a:t>Vaccine hesitant population </a:t>
-            </a:r>
-          </a:p>
-          <a:p>
-            <a:pPr>
-              <a:buFont typeface="Wingdings" pitchFamily="2" charset="2"/>
-              <a:buChar char="Ø"/>
-            </a:pPr>
-            <a:endParaRPr lang="en-US" dirty="0"/>
-          </a:p>
-          <a:p>
-            <a:pPr>
-              <a:buFont typeface="Wingdings" pitchFamily="2" charset="2"/>
-              <a:buChar char="Ø"/>
-            </a:pPr>
-            <a:r>
-              <a:rPr lang="en-US" dirty="0"/>
-              <a:t>New variants from around the world that can be spread even by vaccinated people</a:t>
-            </a:r>
-          </a:p>
-          <a:p>
-            <a:pPr>
-              <a:buFont typeface="Wingdings" pitchFamily="2" charset="2"/>
-              <a:buChar char="Ø"/>
-            </a:pPr>
-            <a:endParaRPr lang="en-US" dirty="0"/>
-          </a:p>
-        </p:txBody>
-      </p:sp>
-      <p:sp>
-        <p:nvSpPr>
-          <p:cNvPr id="4" name="Content Placeholder 2">
-            <a:extLst>
-              <a:ext uri="{FF2B5EF4-FFF2-40B4-BE49-F238E27FC236}">
-                <a16:creationId xmlns:a16="http://schemas.microsoft.com/office/drawing/2014/main" id="{AC744035-93EB-5B49-BF38-49E87866989B}"/>
-              </a:ext>
-            </a:extLst>
-          </p:cNvPr>
-          <p:cNvSpPr txBox="1">
-            <a:spLocks/>
-          </p:cNvSpPr>
-          <p:nvPr/>
-        </p:nvSpPr>
-        <p:spPr>
-          <a:xfrm>
-            <a:off x="1194143" y="5344811"/>
-            <a:ext cx="10159314" cy="1036423"/>
-          </a:xfrm>
-          <a:prstGeom prst="rect">
-            <a:avLst/>
-          </a:prstGeom>
-          <a:solidFill>
-            <a:schemeClr val="bg1">
-              <a:alpha val="0"/>
-            </a:schemeClr>
-          </a:solidFill>
-          <a:ln w="53975">
-            <a:solidFill>
-              <a:srgbClr val="002060"/>
-            </a:solidFill>
-          </a:ln>
-        </p:spPr>
-        <p:txBody>
-          <a:bodyPr vert="horz" lIns="91440" tIns="45720" rIns="91440" bIns="45720" rtlCol="0">
-            <a:normAutofit/>
-          </a:bodyPr>
-          <a:lstStyle>
-            <a:lvl1pPr marL="384048" indent="-384048" algn="l" defTabSz="914400" rtl="0" eaLnBrk="1" latinLnBrk="0" hangingPunct="1">
-              <a:lnSpc>
-                <a:spcPct val="94000"/>
-              </a:lnSpc>
-              <a:spcBef>
-                <a:spcPts val="1000"/>
-              </a:spcBef>
-              <a:spcAft>
-                <a:spcPts val="200"/>
-              </a:spcAft>
-              <a:buFont typeface="Franklin Gothic Book" panose="020B0503020102020204" pitchFamily="34" charset="0"/>
-              <a:buChar char="■"/>
-              <a:defRPr sz="2000" kern="1200" baseline="0">
-                <a:solidFill>
-                  <a:schemeClr val="tx2"/>
-                </a:solidFill>
-                <a:latin typeface="+mn-lt"/>
-                <a:ea typeface="+mn-ea"/>
-                <a:cs typeface="+mn-cs"/>
-              </a:defRPr>
-            </a:lvl1pPr>
-            <a:lvl2pPr marL="914400" indent="-384048" algn="l" defTabSz="914400" rtl="0" eaLnBrk="1" latinLnBrk="0" hangingPunct="1">
-              <a:lnSpc>
-                <a:spcPct val="94000"/>
-              </a:lnSpc>
-              <a:spcBef>
-                <a:spcPts val="500"/>
-              </a:spcBef>
-              <a:spcAft>
-                <a:spcPts val="200"/>
-              </a:spcAft>
-              <a:buFont typeface="Franklin Gothic Book" panose="020B0503020102020204" pitchFamily="34" charset="0"/>
-              <a:buChar char="–"/>
-              <a:defRPr sz="2000" i="1" kern="1200" baseline="0">
-                <a:solidFill>
-                  <a:schemeClr val="tx2"/>
-                </a:solidFill>
-                <a:latin typeface="+mn-lt"/>
-                <a:ea typeface="+mn-ea"/>
-                <a:cs typeface="+mn-cs"/>
-              </a:defRPr>
-            </a:lvl2pPr>
-            <a:lvl3pPr marL="1371600" indent="-384048" algn="l" defTabSz="914400" rtl="0" eaLnBrk="1" latinLnBrk="0" hangingPunct="1">
-              <a:lnSpc>
-                <a:spcPct val="94000"/>
-              </a:lnSpc>
-              <a:spcBef>
-                <a:spcPts val="500"/>
-              </a:spcBef>
-              <a:spcAft>
-                <a:spcPts val="200"/>
-              </a:spcAft>
-              <a:buFont typeface="Franklin Gothic Book" panose="020B0503020102020204" pitchFamily="34" charset="0"/>
-              <a:buChar char="■"/>
-              <a:defRPr sz="1800" kern="1200" baseline="0">
-                <a:solidFill>
-                  <a:schemeClr val="tx2"/>
-                </a:solidFill>
-                <a:latin typeface="+mn-lt"/>
-                <a:ea typeface="+mn-ea"/>
-                <a:cs typeface="+mn-cs"/>
-              </a:defRPr>
-            </a:lvl3pPr>
-            <a:lvl4pPr marL="1828800" indent="-384048" algn="l" defTabSz="914400" rtl="0" eaLnBrk="1" latinLnBrk="0" hangingPunct="1">
-              <a:lnSpc>
-                <a:spcPct val="94000"/>
-              </a:lnSpc>
-              <a:spcBef>
-                <a:spcPts val="500"/>
-              </a:spcBef>
-              <a:spcAft>
-                <a:spcPts val="200"/>
-              </a:spcAft>
-              <a:buFont typeface="Franklin Gothic Book" panose="020B0503020102020204" pitchFamily="34" charset="0"/>
-              <a:buChar char="–"/>
-              <a:defRPr sz="1800" i="1" kern="1200" baseline="0">
-                <a:solidFill>
-                  <a:schemeClr val="tx2"/>
-                </a:solidFill>
-                <a:latin typeface="+mn-lt"/>
-                <a:ea typeface="+mn-ea"/>
-                <a:cs typeface="+mn-cs"/>
-              </a:defRPr>
-            </a:lvl4pPr>
-            <a:lvl5pPr marL="2286000" indent="-384048" algn="l" defTabSz="914400" rtl="0" eaLnBrk="1" latinLnBrk="0" hangingPunct="1">
-              <a:lnSpc>
-                <a:spcPct val="94000"/>
-              </a:lnSpc>
-              <a:spcBef>
-                <a:spcPts val="500"/>
-              </a:spcBef>
-              <a:spcAft>
-                <a:spcPts val="200"/>
-              </a:spcAft>
-              <a:buFont typeface="Franklin Gothic Book" panose="020B0503020102020204" pitchFamily="34" charset="0"/>
-              <a:buChar char="■"/>
-              <a:defRPr sz="1600" kern="1200" baseline="0">
-                <a:solidFill>
-                  <a:schemeClr val="tx2"/>
-                </a:solidFill>
-                <a:latin typeface="+mn-lt"/>
-                <a:ea typeface="+mn-ea"/>
-                <a:cs typeface="+mn-cs"/>
-              </a:defRPr>
-            </a:lvl5pPr>
-            <a:lvl6pPr marL="2743200" indent="-384048" algn="l" defTabSz="914400" rtl="0" eaLnBrk="1" latinLnBrk="0" hangingPunct="1">
-              <a:lnSpc>
-                <a:spcPct val="94000"/>
-              </a:lnSpc>
-              <a:spcBef>
-                <a:spcPts val="500"/>
-              </a:spcBef>
-              <a:spcAft>
-                <a:spcPts val="200"/>
-              </a:spcAft>
-              <a:buFont typeface="Franklin Gothic Book" panose="020B0503020102020204" pitchFamily="34" charset="0"/>
-              <a:buChar char="–"/>
-              <a:defRPr sz="1600" i="1" kern="1200" baseline="0">
-                <a:solidFill>
-                  <a:schemeClr val="tx2"/>
-                </a:solidFill>
-                <a:latin typeface="+mn-lt"/>
-                <a:ea typeface="+mn-ea"/>
-                <a:cs typeface="+mn-cs"/>
-              </a:defRPr>
-            </a:lvl6pPr>
-            <a:lvl7pPr marL="3200400" indent="-384048" algn="l" defTabSz="914400" rtl="0" eaLnBrk="1" latinLnBrk="0" hangingPunct="1">
-              <a:lnSpc>
-                <a:spcPct val="94000"/>
-              </a:lnSpc>
-              <a:spcBef>
-                <a:spcPts val="500"/>
-              </a:spcBef>
-              <a:spcAft>
-                <a:spcPts val="200"/>
-              </a:spcAft>
-              <a:buFont typeface="Franklin Gothic Book" panose="020B0503020102020204" pitchFamily="34" charset="0"/>
-              <a:buChar char="■"/>
-              <a:defRPr sz="1400" kern="1200" baseline="0">
-                <a:solidFill>
-                  <a:schemeClr val="tx2"/>
-                </a:solidFill>
-                <a:latin typeface="+mn-lt"/>
-                <a:ea typeface="+mn-ea"/>
-                <a:cs typeface="+mn-cs"/>
-              </a:defRPr>
-            </a:lvl7pPr>
-            <a:lvl8pPr marL="3657600" indent="-384048" algn="l" defTabSz="914400" rtl="0" eaLnBrk="1" latinLnBrk="0" hangingPunct="1">
-              <a:lnSpc>
-                <a:spcPct val="94000"/>
-              </a:lnSpc>
-              <a:spcBef>
-                <a:spcPts val="500"/>
-              </a:spcBef>
-              <a:spcAft>
-                <a:spcPts val="200"/>
-              </a:spcAft>
-              <a:buFont typeface="Franklin Gothic Book" panose="020B0503020102020204" pitchFamily="34" charset="0"/>
-              <a:buChar char="–"/>
-              <a:defRPr sz="1400" i="1" kern="1200" baseline="0">
-                <a:solidFill>
-                  <a:schemeClr val="tx2"/>
-                </a:solidFill>
-                <a:latin typeface="+mn-lt"/>
-                <a:ea typeface="+mn-ea"/>
-                <a:cs typeface="+mn-cs"/>
-              </a:defRPr>
-            </a:lvl8pPr>
-            <a:lvl9pPr marL="4114800" indent="-384048" algn="l" defTabSz="914400" rtl="0" eaLnBrk="1" latinLnBrk="0" hangingPunct="1">
-              <a:lnSpc>
-                <a:spcPct val="94000"/>
-              </a:lnSpc>
-              <a:spcBef>
-                <a:spcPts val="500"/>
-              </a:spcBef>
-              <a:spcAft>
-                <a:spcPts val="200"/>
-              </a:spcAft>
-              <a:buFont typeface="Franklin Gothic Book" panose="020B0503020102020204" pitchFamily="34" charset="0"/>
-              <a:buChar char="■"/>
-              <a:defRPr sz="1400" kern="1200" baseline="0">
-                <a:solidFill>
-                  <a:schemeClr val="tx2"/>
-                </a:solidFill>
-                <a:latin typeface="+mn-lt"/>
-                <a:ea typeface="+mn-ea"/>
-                <a:cs typeface="+mn-cs"/>
-              </a:defRPr>
-            </a:lvl9pPr>
-          </a:lstStyle>
-          <a:p>
-            <a:pPr marL="0" indent="0" algn="ctr">
-              <a:buNone/>
-            </a:pPr>
-            <a:r>
-              <a:rPr lang="en-US" sz="3200" dirty="0"/>
-              <a:t>Which public health measures were effective at state and county level in 2020?</a:t>
-            </a:r>
-          </a:p>
-          <a:p>
-            <a:pPr marL="0" indent="0" algn="ctr">
-              <a:buNone/>
-            </a:pPr>
-            <a:endParaRPr lang="en-US" sz="3200" dirty="0"/>
-          </a:p>
-        </p:txBody>
-      </p:sp>
-      <p:pic>
-        <p:nvPicPr>
-          <p:cNvPr id="6" name="Picture 5">
-            <a:extLst>
-              <a:ext uri="{FF2B5EF4-FFF2-40B4-BE49-F238E27FC236}">
-                <a16:creationId xmlns:a16="http://schemas.microsoft.com/office/drawing/2014/main" id="{7E69337B-43E4-0646-AB06-5E900A7F3E7A}"/>
+                <a16:creationId xmlns:a16="http://schemas.microsoft.com/office/drawing/2014/main" id="{6223B945-F274-714A-A1C4-2E17C9C1AA5D}"/>
               </a:ext>
             </a:extLst>
           </p:cNvPr>
@@ -5520,16 +5406,130 @@
           </p:cNvPicPr>
           <p:nvPr/>
         </p:nvPicPr>
-        <p:blipFill>
+        <p:blipFill rotWithShape="1">
           <a:blip r:embed="rId3"/>
-          <a:stretch>
-            <a:fillRect/>
-          </a:stretch>
+          <a:srcRect l="2595" b="6793"/>
+          <a:stretch/>
         </p:blipFill>
         <p:spPr>
           <a:xfrm>
-            <a:off x="7315200" y="1825118"/>
-            <a:ext cx="4038257" cy="3201313"/>
+            <a:off x="753762" y="1478639"/>
+            <a:ext cx="6493620" cy="4168399"/>
+          </a:xfrm>
+          <a:prstGeom prst="rect">
+            <a:avLst/>
+          </a:prstGeom>
+        </p:spPr>
+      </p:pic>
+      <p:sp>
+        <p:nvSpPr>
+          <p:cNvPr id="2" name="Title 1">
+            <a:extLst>
+              <a:ext uri="{FF2B5EF4-FFF2-40B4-BE49-F238E27FC236}">
+                <a16:creationId xmlns:a16="http://schemas.microsoft.com/office/drawing/2014/main" id="{16FCE3EF-685E-0F4D-A87C-57B2456D67FF}"/>
+              </a:ext>
+            </a:extLst>
+          </p:cNvPr>
+          <p:cNvSpPr>
+            <a:spLocks noGrp="1"/>
+          </p:cNvSpPr>
+          <p:nvPr>
+            <p:ph type="title"/>
+          </p:nvPr>
+        </p:nvSpPr>
+        <p:spPr>
+          <a:xfrm>
+            <a:off x="1396314" y="315097"/>
+            <a:ext cx="9601200" cy="1485900"/>
+          </a:xfrm>
+        </p:spPr>
+        <p:txBody>
+          <a:bodyPr/>
+          <a:lstStyle/>
+          <a:p>
+            <a:r>
+              <a:rPr lang="en-US" dirty="0"/>
+              <a:t>Lessons from 1918 Flu</a:t>
+            </a:r>
+          </a:p>
+        </p:txBody>
+      </p:sp>
+      <p:sp>
+        <p:nvSpPr>
+          <p:cNvPr id="3" name="Rectangle 2">
+            <a:extLst>
+              <a:ext uri="{FF2B5EF4-FFF2-40B4-BE49-F238E27FC236}">
+                <a16:creationId xmlns:a16="http://schemas.microsoft.com/office/drawing/2014/main" id="{3EC75D41-FA4F-784F-A5B7-2CEBE1258649}"/>
+              </a:ext>
+            </a:extLst>
+          </p:cNvPr>
+          <p:cNvSpPr/>
+          <p:nvPr/>
+        </p:nvSpPr>
+        <p:spPr>
+          <a:xfrm>
+            <a:off x="753762" y="6398343"/>
+            <a:ext cx="11438238" cy="461665"/>
+          </a:xfrm>
+          <a:prstGeom prst="rect">
+            <a:avLst/>
+          </a:prstGeom>
+        </p:spPr>
+        <p:txBody>
+          <a:bodyPr wrap="square">
+            <a:spAutoFit/>
+          </a:bodyPr>
+          <a:lstStyle/>
+          <a:p>
+            <a:r>
+              <a:rPr lang="en-GB" sz="1200" cap="all" dirty="0">
+                <a:solidFill>
+                  <a:srgbClr val="AFB0B1"/>
+                </a:solidFill>
+                <a:latin typeface="GeoEditRegular"/>
+              </a:rPr>
+              <a:t>RILEY D. CHAMPINE,</a:t>
+            </a:r>
+            <a:r>
+              <a:rPr lang="en-GB" sz="1200" i="1" dirty="0"/>
+              <a:t> </a:t>
+            </a:r>
+            <a:r>
+              <a:rPr lang="en-GB" sz="1200" cap="all" dirty="0">
+                <a:solidFill>
+                  <a:srgbClr val="AFB0B1"/>
+                </a:solidFill>
+                <a:latin typeface="GeoEditRegular"/>
+              </a:rPr>
+              <a:t>National Geographic magazine. SOURCE: MARKEL H, LIPMAN HB, NAVARRO JA, ET AL. NONPHARMACEUTICAL INTERVENTIONS IMPLEMENTED BY US CITIES DURING THE 1918-1919 INFLUENZA PANDEMIC. JAMA.</a:t>
+            </a:r>
+            <a:endParaRPr lang="en-US" sz="1200" dirty="0"/>
+          </a:p>
+        </p:txBody>
+      </p:sp>
+      <p:pic>
+        <p:nvPicPr>
+          <p:cNvPr id="5" name="Picture 4">
+            <a:extLst>
+              <a:ext uri="{FF2B5EF4-FFF2-40B4-BE49-F238E27FC236}">
+                <a16:creationId xmlns:a16="http://schemas.microsoft.com/office/drawing/2014/main" id="{3C75B3FE-42B6-FD4A-BC50-BE526CEEA580}"/>
+              </a:ext>
+            </a:extLst>
+          </p:cNvPr>
+          <p:cNvPicPr>
+            <a:picLocks noChangeAspect="1"/>
+          </p:cNvPicPr>
+          <p:nvPr/>
+        </p:nvPicPr>
+        <p:blipFill rotWithShape="1">
+          <a:blip r:embed="rId4"/>
+          <a:srcRect b="5377"/>
+          <a:stretch/>
+        </p:blipFill>
+        <p:spPr>
+          <a:xfrm>
+            <a:off x="7076306" y="907142"/>
+            <a:ext cx="4673667" cy="5110600"/>
           </a:xfrm>
           <a:prstGeom prst="rect">
             <a:avLst/>
@@ -5539,7 +5539,7 @@
     </p:spTree>
     <p:extLst>
       <p:ext uri="{BB962C8B-B14F-4D97-AF65-F5344CB8AC3E}">
-        <p14:creationId xmlns:p14="http://schemas.microsoft.com/office/powerpoint/2010/main" val="2803370122"/>
+        <p14:creationId xmlns:p14="http://schemas.microsoft.com/office/powerpoint/2010/main" val="130162948"/>
       </p:ext>
     </p:extLst>
   </p:cSld>

--- a/CAPSTONE.pptx
+++ b/CAPSTONE.pptx
@@ -7886,7 +7886,7 @@
         </p:spPr>
         <p:txBody>
           <a:bodyPr>
-            <a:normAutofit fontScale="92500" lnSpcReduction="10000"/>
+            <a:normAutofit fontScale="92500"/>
           </a:bodyPr>
           <a:lstStyle/>
           <a:p>
@@ -7900,8 +7900,13 @@
             </a:r>
             <a:r>
               <a:rPr lang="en-US" dirty="0"/>
-              <a:t>To forecast COVID-19 cases and mortality rates from different variables such as social distancing, mask mandates and lockdown period</a:t>
-            </a:r>
+              <a:t>To forecast COVID-19 cases and </a:t>
+            </a:r>
+            <a:r>
+              <a:rPr lang="en-US"/>
+              <a:t>mortality rates</a:t>
+            </a:r>
+            <a:endParaRPr lang="en-US" dirty="0"/>
           </a:p>
           <a:p>
             <a:pPr marL="0" indent="0">
